--- a/Documentação/DesenhoSolucao/Desenho_Solução.pptx
+++ b/Documentação/DesenhoSolucao/Desenho_Solução.pptx
@@ -209,7 +209,7 @@
           <a:p>
             <a:fld id="{B96E6B04-2C96-4423-A246-E96C11D40EC3}" type="datetimeFigureOut">
               <a:rPr lang="pt-BR" smtClean="0"/>
-              <a:t>01/05/2020</a:t>
+              <a:t>02/07/2020</a:t>
             </a:fld>
             <a:endParaRPr lang="pt-BR"/>
           </a:p>
@@ -759,7 +759,7 @@
           <a:p>
             <a:fld id="{F9E70DCC-2D0E-48AC-BADC-8D2813897323}" type="datetimeFigureOut">
               <a:rPr lang="pt-BR" smtClean="0"/>
-              <a:t>01/05/2020</a:t>
+              <a:t>02/07/2020</a:t>
             </a:fld>
             <a:endParaRPr lang="pt-BR"/>
           </a:p>
@@ -957,7 +957,7 @@
           <a:p>
             <a:fld id="{F9E70DCC-2D0E-48AC-BADC-8D2813897323}" type="datetimeFigureOut">
               <a:rPr lang="pt-BR" smtClean="0"/>
-              <a:t>01/05/2020</a:t>
+              <a:t>02/07/2020</a:t>
             </a:fld>
             <a:endParaRPr lang="pt-BR"/>
           </a:p>
@@ -1165,7 +1165,7 @@
           <a:p>
             <a:fld id="{F9E70DCC-2D0E-48AC-BADC-8D2813897323}" type="datetimeFigureOut">
               <a:rPr lang="pt-BR" smtClean="0"/>
-              <a:t>01/05/2020</a:t>
+              <a:t>02/07/2020</a:t>
             </a:fld>
             <a:endParaRPr lang="pt-BR"/>
           </a:p>
@@ -1363,7 +1363,7 @@
           <a:p>
             <a:fld id="{F9E70DCC-2D0E-48AC-BADC-8D2813897323}" type="datetimeFigureOut">
               <a:rPr lang="pt-BR" smtClean="0"/>
-              <a:t>01/05/2020</a:t>
+              <a:t>02/07/2020</a:t>
             </a:fld>
             <a:endParaRPr lang="pt-BR"/>
           </a:p>
@@ -1638,7 +1638,7 @@
           <a:p>
             <a:fld id="{F9E70DCC-2D0E-48AC-BADC-8D2813897323}" type="datetimeFigureOut">
               <a:rPr lang="pt-BR" smtClean="0"/>
-              <a:t>01/05/2020</a:t>
+              <a:t>02/07/2020</a:t>
             </a:fld>
             <a:endParaRPr lang="pt-BR"/>
           </a:p>
@@ -1903,7 +1903,7 @@
           <a:p>
             <a:fld id="{F9E70DCC-2D0E-48AC-BADC-8D2813897323}" type="datetimeFigureOut">
               <a:rPr lang="pt-BR" smtClean="0"/>
-              <a:t>01/05/2020</a:t>
+              <a:t>02/07/2020</a:t>
             </a:fld>
             <a:endParaRPr lang="pt-BR"/>
           </a:p>
@@ -2315,7 +2315,7 @@
           <a:p>
             <a:fld id="{F9E70DCC-2D0E-48AC-BADC-8D2813897323}" type="datetimeFigureOut">
               <a:rPr lang="pt-BR" smtClean="0"/>
-              <a:t>01/05/2020</a:t>
+              <a:t>02/07/2020</a:t>
             </a:fld>
             <a:endParaRPr lang="pt-BR"/>
           </a:p>
@@ -2456,7 +2456,7 @@
           <a:p>
             <a:fld id="{F9E70DCC-2D0E-48AC-BADC-8D2813897323}" type="datetimeFigureOut">
               <a:rPr lang="pt-BR" smtClean="0"/>
-              <a:t>01/05/2020</a:t>
+              <a:t>02/07/2020</a:t>
             </a:fld>
             <a:endParaRPr lang="pt-BR"/>
           </a:p>
@@ -2569,7 +2569,7 @@
           <a:p>
             <a:fld id="{F9E70DCC-2D0E-48AC-BADC-8D2813897323}" type="datetimeFigureOut">
               <a:rPr lang="pt-BR" smtClean="0"/>
-              <a:t>01/05/2020</a:t>
+              <a:t>02/07/2020</a:t>
             </a:fld>
             <a:endParaRPr lang="pt-BR"/>
           </a:p>
@@ -2880,7 +2880,7 @@
           <a:p>
             <a:fld id="{F9E70DCC-2D0E-48AC-BADC-8D2813897323}" type="datetimeFigureOut">
               <a:rPr lang="pt-BR" smtClean="0"/>
-              <a:t>01/05/2020</a:t>
+              <a:t>02/07/2020</a:t>
             </a:fld>
             <a:endParaRPr lang="pt-BR"/>
           </a:p>
@@ -3168,7 +3168,7 @@
           <a:p>
             <a:fld id="{F9E70DCC-2D0E-48AC-BADC-8D2813897323}" type="datetimeFigureOut">
               <a:rPr lang="pt-BR" smtClean="0"/>
-              <a:t>01/05/2020</a:t>
+              <a:t>02/07/2020</a:t>
             </a:fld>
             <a:endParaRPr lang="pt-BR"/>
           </a:p>
@@ -3409,7 +3409,7 @@
           <a:p>
             <a:fld id="{F9E70DCC-2D0E-48AC-BADC-8D2813897323}" type="datetimeFigureOut">
               <a:rPr lang="pt-BR" smtClean="0"/>
-              <a:t>01/05/2020</a:t>
+              <a:t>02/07/2020</a:t>
             </a:fld>
             <a:endParaRPr lang="pt-BR"/>
           </a:p>
@@ -5525,78 +5525,6 @@
           </a:p>
         </p:txBody>
       </p:sp>
-      <p:pic>
-        <p:nvPicPr>
-          <p:cNvPr id="56" name="Imagem 55">
-            <a:extLst>
-              <a:ext uri="{FF2B5EF4-FFF2-40B4-BE49-F238E27FC236}">
-                <a16:creationId xmlns:a16="http://schemas.microsoft.com/office/drawing/2014/main" id="{7E540955-B1B6-4F74-A796-D1AA6AF59430}"/>
-              </a:ext>
-            </a:extLst>
-          </p:cNvPr>
-          <p:cNvPicPr>
-            <a:picLocks noChangeAspect="1"/>
-          </p:cNvPicPr>
-          <p:nvPr/>
-        </p:nvPicPr>
-        <p:blipFill>
-          <a:blip r:embed="rId9">
-            <a:extLst>
-              <a:ext uri="{28A0092B-C50C-407E-A947-70E740481C1C}">
-                <a14:useLocalDpi xmlns:a14="http://schemas.microsoft.com/office/drawing/2010/main" val="0"/>
-              </a:ext>
-            </a:extLst>
-          </a:blip>
-          <a:stretch>
-            <a:fillRect/>
-          </a:stretch>
-        </p:blipFill>
-        <p:spPr>
-          <a:xfrm>
-            <a:off x="7280147" y="2703125"/>
-            <a:ext cx="308399" cy="308399"/>
-          </a:xfrm>
-          <a:prstGeom prst="rect">
-            <a:avLst/>
-          </a:prstGeom>
-        </p:spPr>
-      </p:pic>
-      <p:pic>
-        <p:nvPicPr>
-          <p:cNvPr id="57" name="Imagem 56">
-            <a:extLst>
-              <a:ext uri="{FF2B5EF4-FFF2-40B4-BE49-F238E27FC236}">
-                <a16:creationId xmlns:a16="http://schemas.microsoft.com/office/drawing/2014/main" id="{B4D809C6-1AA6-4566-9378-1BA6930CC924}"/>
-              </a:ext>
-            </a:extLst>
-          </p:cNvPr>
-          <p:cNvPicPr>
-            <a:picLocks noChangeAspect="1"/>
-          </p:cNvPicPr>
-          <p:nvPr/>
-        </p:nvPicPr>
-        <p:blipFill>
-          <a:blip r:embed="rId9">
-            <a:extLst>
-              <a:ext uri="{28A0092B-C50C-407E-A947-70E740481C1C}">
-                <a14:useLocalDpi xmlns:a14="http://schemas.microsoft.com/office/drawing/2010/main" val="0"/>
-              </a:ext>
-            </a:extLst>
-          </a:blip>
-          <a:stretch>
-            <a:fillRect/>
-          </a:stretch>
-        </p:blipFill>
-        <p:spPr>
-          <a:xfrm>
-            <a:off x="9715795" y="2703125"/>
-            <a:ext cx="308399" cy="308399"/>
-          </a:xfrm>
-          <a:prstGeom prst="rect">
-            <a:avLst/>
-          </a:prstGeom>
-        </p:spPr>
-      </p:pic>
       <p:sp>
         <p:nvSpPr>
           <p:cNvPr id="58" name="Retângulo 57">
@@ -5648,14 +5576,13 @@
           <a:p>
             <a:pPr algn="ctr"/>
             <a:r>
-              <a:rPr lang="pt-BR" sz="1400" b="1" dirty="0"/>
-              <a:t>Google </a:t>
-            </a:r>
-            <a:r>
               <a:rPr lang="pt-BR" sz="1400" b="1" dirty="0" err="1"/>
               <a:t>Charts</a:t>
             </a:r>
-            <a:endParaRPr lang="pt-BR" sz="1400" b="1" dirty="0"/>
+            <a:r>
+              <a:rPr lang="pt-BR" sz="1400" b="1" dirty="0"/>
+              <a:t> JS</a:t>
+            </a:r>
           </a:p>
         </p:txBody>
       </p:sp>
